--- a/Presentation 5.pptx
+++ b/Presentation 5.pptx
@@ -8,6 +8,8 @@
     <p:sldId id="257" r:id="rId2"/>
     <p:sldId id="258" r:id="rId3"/>
     <p:sldId id="259" r:id="rId4"/>
+    <p:sldId id="261" r:id="rId5"/>
+    <p:sldId id="260" r:id="rId6"/>
   </p:sldIdLst>
   <p:sldSz cx="12192000" cy="6858000"/>
   <p:notesSz cx="6858000" cy="9144000"/>
@@ -106,6 +108,11 @@
       </a:defRPr>
     </a:lvl9pPr>
   </p:defaultTextStyle>
+  <p:extLst>
+    <p:ext uri="{EFAFB233-063F-42B5-8137-9DF3F51BA10A}">
+      <p15:sldGuideLst xmlns:p15="http://schemas.microsoft.com/office/powerpoint/2012/main"/>
+    </p:ext>
+  </p:extLst>
 </p:presentation>
 </file>
 
@@ -154,7 +161,6 @@
               <a:rPr lang="en-US"/>
               <a:t>Click to edit Master title style</a:t>
             </a:r>
-            <a:endParaRPr lang="en-US"/>
           </a:p>
         </p:txBody>
       </p:sp>
@@ -219,7 +225,6 @@
               <a:rPr lang="en-US"/>
               <a:t>Click to edit Master subtitle style</a:t>
             </a:r>
-            <a:endParaRPr lang="en-US"/>
           </a:p>
         </p:txBody>
       </p:sp>
@@ -337,7 +342,6 @@
               <a:rPr lang="en-US"/>
               <a:t>Click to edit Master title style</a:t>
             </a:r>
-            <a:endParaRPr lang="en-US"/>
           </a:p>
         </p:txBody>
       </p:sp>
@@ -389,7 +393,6 @@
               <a:rPr lang="en-US"/>
               <a:t>Fifth level</a:t>
             </a:r>
-            <a:endParaRPr lang="en-US"/>
           </a:p>
         </p:txBody>
       </p:sp>
@@ -512,7 +515,6 @@
               <a:rPr lang="en-US"/>
               <a:t>Click to edit Master title style</a:t>
             </a:r>
-            <a:endParaRPr lang="en-US"/>
           </a:p>
         </p:txBody>
       </p:sp>
@@ -569,7 +571,6 @@
               <a:rPr lang="en-US"/>
               <a:t>Fifth level</a:t>
             </a:r>
-            <a:endParaRPr lang="en-US"/>
           </a:p>
         </p:txBody>
       </p:sp>
@@ -687,7 +688,6 @@
               <a:rPr lang="en-US"/>
               <a:t>Click to edit Master title style</a:t>
             </a:r>
-            <a:endParaRPr lang="en-US"/>
           </a:p>
         </p:txBody>
       </p:sp>
@@ -739,7 +739,6 @@
               <a:rPr lang="en-US"/>
               <a:t>Fifth level</a:t>
             </a:r>
-            <a:endParaRPr lang="en-US"/>
           </a:p>
         </p:txBody>
       </p:sp>
@@ -866,7 +865,6 @@
               <a:rPr lang="en-US"/>
               <a:t>Click to edit Master title style</a:t>
             </a:r>
-            <a:endParaRPr lang="en-US"/>
           </a:p>
         </p:txBody>
       </p:sp>
@@ -1103,7 +1101,6 @@
               <a:rPr lang="en-US"/>
               <a:t>Click to edit Master title style</a:t>
             </a:r>
-            <a:endParaRPr lang="en-US"/>
           </a:p>
         </p:txBody>
       </p:sp>
@@ -1160,7 +1157,6 @@
               <a:rPr lang="en-US"/>
               <a:t>Fifth level</a:t>
             </a:r>
-            <a:endParaRPr lang="en-US"/>
           </a:p>
         </p:txBody>
       </p:sp>
@@ -1217,7 +1213,6 @@
               <a:rPr lang="en-US"/>
               <a:t>Fifth level</a:t>
             </a:r>
-            <a:endParaRPr lang="en-US"/>
           </a:p>
         </p:txBody>
       </p:sp>
@@ -1340,7 +1335,6 @@
               <a:rPr lang="en-US"/>
               <a:t>Click to edit Master title style</a:t>
             </a:r>
-            <a:endParaRPr lang="en-US"/>
           </a:p>
         </p:txBody>
       </p:sp>
@@ -1462,7 +1456,6 @@
               <a:rPr lang="en-US"/>
               <a:t>Fifth level</a:t>
             </a:r>
-            <a:endParaRPr lang="en-US"/>
           </a:p>
         </p:txBody>
       </p:sp>
@@ -1584,7 +1577,6 @@
               <a:rPr lang="en-US"/>
               <a:t>Fifth level</a:t>
             </a:r>
-            <a:endParaRPr lang="en-US"/>
           </a:p>
         </p:txBody>
       </p:sp>
@@ -1702,7 +1694,6 @@
               <a:rPr lang="en-US"/>
               <a:t>Click to edit Master title style</a:t>
             </a:r>
-            <a:endParaRPr lang="en-US"/>
           </a:p>
         </p:txBody>
       </p:sp>
@@ -1924,7 +1915,6 @@
               <a:rPr lang="en-US"/>
               <a:t>Click to edit Master title style</a:t>
             </a:r>
-            <a:endParaRPr lang="en-US"/>
           </a:p>
         </p:txBody>
       </p:sp>
@@ -2009,7 +1999,6 @@
               <a:rPr lang="en-US"/>
               <a:t>Fifth level</a:t>
             </a:r>
-            <a:endParaRPr lang="en-US"/>
           </a:p>
         </p:txBody>
       </p:sp>
@@ -2201,7 +2190,6 @@
               <a:rPr lang="en-US"/>
               <a:t>Click to edit Master title style</a:t>
             </a:r>
-            <a:endParaRPr lang="en-US"/>
           </a:p>
         </p:txBody>
       </p:sp>
@@ -2460,7 +2448,6 @@
               <a:rPr lang="en-US"/>
               <a:t>Click to edit Master title style</a:t>
             </a:r>
-            <a:endParaRPr lang="en-US"/>
           </a:p>
         </p:txBody>
       </p:sp>
@@ -2522,7 +2509,6 @@
               <a:rPr lang="en-US"/>
               <a:t>Fifth level</a:t>
             </a:r>
-            <a:endParaRPr lang="en-US"/>
           </a:p>
         </p:txBody>
       </p:sp>
@@ -3111,6 +3097,138 @@
 </p:sld>
 </file>
 
+<file path=ppt/slides/slide4.xml><?xml version="1.0" encoding="utf-8"?>
+<p:sld xmlns:a="http://schemas.openxmlformats.org/drawingml/2006/main" xmlns:r="http://schemas.openxmlformats.org/officeDocument/2006/relationships" xmlns:p="http://schemas.openxmlformats.org/presentationml/2006/main">
+  <p:cSld>
+    <p:spTree>
+      <p:nvGrpSpPr>
+        <p:cNvPr id="1" name=""/>
+        <p:cNvGrpSpPr/>
+        <p:nvPr/>
+      </p:nvGrpSpPr>
+      <p:grpSpPr>
+        <a:xfrm>
+          <a:off x="0" y="0"/>
+          <a:ext cx="0" cy="0"/>
+          <a:chOff x="0" y="0"/>
+          <a:chExt cx="0" cy="0"/>
+        </a:xfrm>
+      </p:grpSpPr>
+      <p:pic>
+        <p:nvPicPr>
+          <p:cNvPr id="4" name="Picture 3"/>
+          <p:cNvPicPr>
+            <a:picLocks noChangeAspect="1"/>
+          </p:cNvPicPr>
+          <p:nvPr/>
+        </p:nvPicPr>
+        <p:blipFill>
+          <a:blip r:embed="rId2"/>
+          <a:stretch>
+            <a:fillRect/>
+          </a:stretch>
+        </p:blipFill>
+        <p:spPr>
+          <a:xfrm>
+            <a:off x="0" y="0"/>
+            <a:ext cx="12192000" cy="6858000"/>
+          </a:xfrm>
+          <a:prstGeom prst="rect">
+            <a:avLst/>
+          </a:prstGeom>
+        </p:spPr>
+      </p:pic>
+    </p:spTree>
+    <p:extLst>
+      <p:ext uri="{BB962C8B-B14F-4D97-AF65-F5344CB8AC3E}">
+        <p14:creationId xmlns:p14="http://schemas.microsoft.com/office/powerpoint/2010/main" val="1838985241"/>
+      </p:ext>
+    </p:extLst>
+  </p:cSld>
+  <p:clrMapOvr>
+    <a:masterClrMapping/>
+  </p:clrMapOvr>
+</p:sld>
+</file>
+
+<file path=ppt/slides/slide5.xml><?xml version="1.0" encoding="utf-8"?>
+<p:sld xmlns:a="http://schemas.openxmlformats.org/drawingml/2006/main" xmlns:r="http://schemas.openxmlformats.org/officeDocument/2006/relationships" xmlns:p="http://schemas.openxmlformats.org/presentationml/2006/main">
+  <p:cSld>
+    <p:spTree>
+      <p:nvGrpSpPr>
+        <p:cNvPr id="1" name=""/>
+        <p:cNvGrpSpPr/>
+        <p:nvPr/>
+      </p:nvGrpSpPr>
+      <p:grpSpPr>
+        <a:xfrm>
+          <a:off x="0" y="0"/>
+          <a:ext cx="0" cy="0"/>
+          <a:chOff x="0" y="0"/>
+          <a:chExt cx="0" cy="0"/>
+        </a:xfrm>
+      </p:grpSpPr>
+      <p:pic>
+        <p:nvPicPr>
+          <p:cNvPr id="4" name="Picture 3"/>
+          <p:cNvPicPr>
+            <a:picLocks noChangeAspect="1"/>
+          </p:cNvPicPr>
+          <p:nvPr/>
+        </p:nvPicPr>
+        <p:blipFill>
+          <a:blip r:embed="rId2"/>
+          <a:stretch>
+            <a:fillRect/>
+          </a:stretch>
+        </p:blipFill>
+        <p:spPr>
+          <a:xfrm>
+            <a:off x="742950" y="433387"/>
+            <a:ext cx="10706100" cy="5991225"/>
+          </a:xfrm>
+          <a:prstGeom prst="rect">
+            <a:avLst/>
+          </a:prstGeom>
+        </p:spPr>
+      </p:pic>
+      <p:pic>
+        <p:nvPicPr>
+          <p:cNvPr id="5" name="Picture 4"/>
+          <p:cNvPicPr>
+            <a:picLocks noChangeAspect="1"/>
+          </p:cNvPicPr>
+          <p:nvPr/>
+        </p:nvPicPr>
+        <p:blipFill>
+          <a:blip r:embed="rId3"/>
+          <a:stretch>
+            <a:fillRect/>
+          </a:stretch>
+        </p:blipFill>
+        <p:spPr>
+          <a:xfrm>
+            <a:off x="3105150" y="5666149"/>
+            <a:ext cx="5981700" cy="758463"/>
+          </a:xfrm>
+          <a:prstGeom prst="rect">
+            <a:avLst/>
+          </a:prstGeom>
+        </p:spPr>
+      </p:pic>
+    </p:spTree>
+    <p:extLst>
+      <p:ext uri="{BB962C8B-B14F-4D97-AF65-F5344CB8AC3E}">
+        <p14:creationId xmlns:p14="http://schemas.microsoft.com/office/powerpoint/2010/main" val="3519682555"/>
+      </p:ext>
+    </p:extLst>
+  </p:cSld>
+  <p:clrMapOvr>
+    <a:masterClrMapping/>
+  </p:clrMapOvr>
+</p:sld>
+</file>
+
 <file path=ppt/theme/theme1.xml><?xml version="1.0" encoding="utf-8"?>
 <a:theme xmlns:a="http://schemas.openxmlformats.org/drawingml/2006/main" name="Office Theme">
   <a:themeElements>
